--- a/doc/2019.딥러닝응용#4.pptx
+++ b/doc/2019.딥러닝응용#4.pptx
@@ -5,7 +5,7 @@
     <p:sldMasterId id="2147483667" r:id="rId1"/>
   </p:sldMasterIdLst>
   <p:notesMasterIdLst>
-    <p:notesMasterId r:id="rId22"/>
+    <p:notesMasterId r:id="rId25"/>
   </p:notesMasterIdLst>
   <p:sldIdLst>
     <p:sldId id="1100" r:id="rId2"/>
@@ -25,47 +25,50 @@
     <p:sldId id="1103" r:id="rId16"/>
     <p:sldId id="1115" r:id="rId17"/>
     <p:sldId id="1116" r:id="rId18"/>
-    <p:sldId id="1118" r:id="rId19"/>
-    <p:sldId id="260" r:id="rId20"/>
-    <p:sldId id="1099" r:id="rId21"/>
+    <p:sldId id="1119" r:id="rId19"/>
+    <p:sldId id="1118" r:id="rId20"/>
+    <p:sldId id="1120" r:id="rId21"/>
+    <p:sldId id="1121" r:id="rId22"/>
+    <p:sldId id="260" r:id="rId23"/>
+    <p:sldId id="1099" r:id="rId24"/>
   </p:sldIdLst>
   <p:sldSz cx="12192000" cy="6858000"/>
   <p:notesSz cx="6858000" cy="9947275"/>
   <p:embeddedFontLst>
     <p:embeddedFont>
-      <p:font typeface="Google Sans Medium" panose="020B0604020202020204" charset="0"/>
-      <p:regular r:id="rId23"/>
-      <p:bold r:id="rId24"/>
-      <p:italic r:id="rId25"/>
-      <p:boldItalic r:id="rId26"/>
+      <p:font typeface="Google Sans" panose="020B0604020202020204" charset="0"/>
+      <p:regular r:id="rId26"/>
+      <p:bold r:id="rId27"/>
+      <p:italic r:id="rId28"/>
+      <p:boldItalic r:id="rId29"/>
     </p:embeddedFont>
     <p:embeddedFont>
       <p:font typeface="Verdana" panose="020B0604030504040204" pitchFamily="34" charset="0"/>
-      <p:regular r:id="rId27"/>
-      <p:bold r:id="rId28"/>
-      <p:italic r:id="rId29"/>
-      <p:boldItalic r:id="rId30"/>
+      <p:regular r:id="rId30"/>
+      <p:bold r:id="rId31"/>
+      <p:italic r:id="rId32"/>
+      <p:boldItalic r:id="rId33"/>
+    </p:embeddedFont>
+    <p:embeddedFont>
+      <p:font typeface="Google Sans Medium" panose="020B0604020202020204" charset="0"/>
+      <p:regular r:id="rId34"/>
+      <p:bold r:id="rId35"/>
+      <p:italic r:id="rId36"/>
+      <p:boldItalic r:id="rId37"/>
+    </p:embeddedFont>
+    <p:embeddedFont>
+      <p:font typeface="나눔고딕 ExtraBold" panose="020D0904000000000000" pitchFamily="50" charset="-127"/>
+      <p:bold r:id="rId38"/>
     </p:embeddedFont>
     <p:embeddedFont>
       <p:font typeface="나눔고딕" panose="020D0604000000000000" pitchFamily="50" charset="-127"/>
-      <p:regular r:id="rId31"/>
-      <p:bold r:id="rId32"/>
-    </p:embeddedFont>
-    <p:embeddedFont>
-      <p:font typeface="나눔고딕 ExtraBold" panose="020D0904000000000000" pitchFamily="50" charset="-127"/>
-      <p:bold r:id="rId33"/>
+      <p:regular r:id="rId39"/>
+      <p:bold r:id="rId40"/>
     </p:embeddedFont>
     <p:embeddedFont>
       <p:font typeface="맑은 고딕" panose="020B0503020000020004" pitchFamily="50" charset="-127"/>
-      <p:regular r:id="rId34"/>
-      <p:bold r:id="rId35"/>
-    </p:embeddedFont>
-    <p:embeddedFont>
-      <p:font typeface="Google Sans" panose="020B0604020202020204" charset="0"/>
-      <p:regular r:id="rId36"/>
-      <p:bold r:id="rId37"/>
-      <p:italic r:id="rId38"/>
-      <p:boldItalic r:id="rId39"/>
+      <p:regular r:id="rId41"/>
+      <p:bold r:id="rId42"/>
     </p:embeddedFont>
   </p:embeddedFontLst>
   <p:defaultTextStyle>
@@ -1048,7 +1051,7 @@
               <a:pPr>
                 <a:defRPr/>
               </a:pPr>
-              <a:t>19</a:t>
+              <a:t>22</a:t>
             </a:fld>
             <a:endParaRPr lang="en-US" altLang="ko-KR" dirty="0"/>
           </a:p>
@@ -4735,11 +4738,7 @@
           <a:p>
             <a:r>
               <a:rPr lang="en-US" altLang="ko-KR" dirty="0" smtClean="0"/>
-              <a:t>Variants of </a:t>
-            </a:r>
-            <a:r>
-              <a:rPr lang="en-US" altLang="ko-KR" dirty="0" smtClean="0"/>
-              <a:t>GAN </a:t>
+              <a:t>Variants of GAN </a:t>
             </a:r>
             <a:r>
               <a:rPr lang="ko-KR" altLang="en-US" dirty="0" smtClean="0"/>
@@ -4979,6 +4978,13 @@
   <p:clrMapOvr>
     <a:masterClrMapping/>
   </p:clrMapOvr>
+  <p:timing>
+    <p:tnLst>
+      <p:par>
+        <p:cTn id="1" dur="indefinite" restart="never" nodeType="tmRoot"/>
+      </p:par>
+    </p:tnLst>
+  </p:timing>
 </p:sld>
 </file>
 
@@ -5198,11 +5204,7 @@
             </a:r>
             <a:r>
               <a:rPr lang="ko-KR" altLang="en-US" dirty="0"/>
-              <a:t>를 제어할 </a:t>
-            </a:r>
-            <a:r>
-              <a:rPr lang="ko-KR" altLang="en-US" dirty="0"/>
-              <a:t>방법 없음 </a:t>
+              <a:t>를 제어할 방법 없음 </a:t>
             </a:r>
             <a:endParaRPr lang="en-US" altLang="ko-KR" dirty="0" smtClean="0"/>
           </a:p>
@@ -5229,6 +5231,13 @@
   <p:clrMapOvr>
     <a:masterClrMapping/>
   </p:clrMapOvr>
+  <p:timing>
+    <p:tnLst>
+      <p:par>
+        <p:cTn id="1" dur="indefinite" restart="never" nodeType="tmRoot"/>
+      </p:par>
+    </p:tnLst>
+  </p:timing>
 </p:sld>
 </file>
 
@@ -5346,6 +5355,13 @@
   <p:clrMapOvr>
     <a:masterClrMapping/>
   </p:clrMapOvr>
+  <p:timing>
+    <p:tnLst>
+      <p:par>
+        <p:cTn id="1" dur="indefinite" restart="never" nodeType="tmRoot"/>
+      </p:par>
+    </p:tnLst>
+  </p:timing>
 </p:sld>
 </file>
 
@@ -5446,6 +5462,13 @@
   <p:clrMapOvr>
     <a:masterClrMapping/>
   </p:clrMapOvr>
+  <p:timing>
+    <p:tnLst>
+      <p:par>
+        <p:cTn id="1" dur="indefinite" restart="never" nodeType="tmRoot"/>
+      </p:par>
+    </p:tnLst>
+  </p:timing>
 </p:sld>
 </file>
 
@@ -5546,6 +5569,13 @@
   <p:clrMapOvr>
     <a:masterClrMapping/>
   </p:clrMapOvr>
+  <p:timing>
+    <p:tnLst>
+      <p:par>
+        <p:cTn id="1" dur="indefinite" restart="never" nodeType="tmRoot"/>
+      </p:par>
+    </p:tnLst>
+  </p:timing>
 </p:sld>
 </file>
 
@@ -5768,6 +5798,13 @@
   <p:clrMapOvr>
     <a:masterClrMapping/>
   </p:clrMapOvr>
+  <p:timing>
+    <p:tnLst>
+      <p:par>
+        <p:cTn id="1" dur="indefinite" restart="never" nodeType="tmRoot"/>
+      </p:par>
+    </p:tnLst>
+  </p:timing>
 </p:sld>
 </file>
 
@@ -5854,8 +5891,56 @@
         </p:blipFill>
         <p:spPr>
           <a:xfrm>
-            <a:off x="4086225" y="1420813"/>
-            <a:ext cx="4019550" cy="4276725"/>
+            <a:off x="88508" y="1201981"/>
+            <a:ext cx="3564018" cy="3792048"/>
+          </a:xfrm>
+          <a:prstGeom prst="rect">
+            <a:avLst/>
+          </a:prstGeom>
+        </p:spPr>
+      </p:pic>
+      <p:pic>
+        <p:nvPicPr>
+          <p:cNvPr id="6" name="그림 5"/>
+          <p:cNvPicPr>
+            <a:picLocks noChangeAspect="1"/>
+          </p:cNvPicPr>
+          <p:nvPr/>
+        </p:nvPicPr>
+        <p:blipFill>
+          <a:blip r:embed="rId3"/>
+          <a:stretch>
+            <a:fillRect/>
+          </a:stretch>
+        </p:blipFill>
+        <p:spPr>
+          <a:xfrm>
+            <a:off x="4122066" y="1201981"/>
+            <a:ext cx="3496951" cy="3729527"/>
+          </a:xfrm>
+          <a:prstGeom prst="rect">
+            <a:avLst/>
+          </a:prstGeom>
+        </p:spPr>
+      </p:pic>
+      <p:pic>
+        <p:nvPicPr>
+          <p:cNvPr id="7" name="그림 6"/>
+          <p:cNvPicPr>
+            <a:picLocks noChangeAspect="1"/>
+          </p:cNvPicPr>
+          <p:nvPr/>
+        </p:nvPicPr>
+        <p:blipFill>
+          <a:blip r:embed="rId4"/>
+          <a:stretch>
+            <a:fillRect/>
+          </a:stretch>
+        </p:blipFill>
+        <p:spPr>
+          <a:xfrm>
+            <a:off x="8088557" y="1201981"/>
+            <a:ext cx="3705225" cy="2428875"/>
           </a:xfrm>
           <a:prstGeom prst="rect">
             <a:avLst/>
@@ -5872,6 +5957,13 @@
   <p:clrMapOvr>
     <a:masterClrMapping/>
   </p:clrMapOvr>
+  <p:timing>
+    <p:tnLst>
+      <p:par>
+        <p:cTn id="1" dur="indefinite" restart="never" nodeType="tmRoot"/>
+      </p:par>
+    </p:tnLst>
+  </p:timing>
 </p:sld>
 </file>
 
@@ -6270,6 +6362,92 @@
     </p:spTree>
     <p:extLst>
       <p:ext uri="{BB962C8B-B14F-4D97-AF65-F5344CB8AC3E}">
+        <p14:creationId xmlns:p14="http://schemas.microsoft.com/office/powerpoint/2010/main" val="1002651694"/>
+      </p:ext>
+    </p:extLst>
+  </p:cSld>
+  <p:clrMapOvr>
+    <a:masterClrMapping/>
+  </p:clrMapOvr>
+  <p:timing>
+    <p:tnLst>
+      <p:par>
+        <p:cTn id="1" dur="indefinite" restart="never" nodeType="tmRoot"/>
+      </p:par>
+    </p:tnLst>
+  </p:timing>
+</p:sld>
+</file>
+
+<file path=ppt/slides/slide19.xml><?xml version="1.0" encoding="utf-8"?>
+<p:sld xmlns:a="http://schemas.openxmlformats.org/drawingml/2006/main" xmlns:r="http://schemas.openxmlformats.org/officeDocument/2006/relationships" xmlns:p="http://schemas.openxmlformats.org/presentationml/2006/main">
+  <p:cSld>
+    <p:spTree>
+      <p:nvGrpSpPr>
+        <p:cNvPr id="1" name=""/>
+        <p:cNvGrpSpPr/>
+        <p:nvPr/>
+      </p:nvGrpSpPr>
+      <p:grpSpPr>
+        <a:xfrm>
+          <a:off x="0" y="0"/>
+          <a:ext cx="0" cy="0"/>
+          <a:chOff x="0" y="0"/>
+          <a:chExt cx="0" cy="0"/>
+        </a:xfrm>
+      </p:grpSpPr>
+      <p:sp>
+        <p:nvSpPr>
+          <p:cNvPr id="2" name="제목 1"/>
+          <p:cNvSpPr>
+            <a:spLocks noGrp="1"/>
+          </p:cNvSpPr>
+          <p:nvPr>
+            <p:ph type="title"/>
+          </p:nvPr>
+        </p:nvSpPr>
+        <p:spPr/>
+        <p:txBody>
+          <a:bodyPr>
+            <a:normAutofit fontScale="90000"/>
+          </a:bodyPr>
+          <a:lstStyle/>
+          <a:p>
+            <a:r>
+              <a:rPr lang="en-US" altLang="ko-KR" dirty="0" smtClean="0"/>
+              <a:t>CGAN – Conditional GAN</a:t>
+            </a:r>
+            <a:endParaRPr lang="ko-KR" altLang="en-US" dirty="0"/>
+          </a:p>
+        </p:txBody>
+      </p:sp>
+      <p:pic>
+        <p:nvPicPr>
+          <p:cNvPr id="10" name="그림 9"/>
+          <p:cNvPicPr>
+            <a:picLocks noChangeAspect="1"/>
+          </p:cNvPicPr>
+          <p:nvPr/>
+        </p:nvPicPr>
+        <p:blipFill>
+          <a:blip r:embed="rId2"/>
+          <a:stretch>
+            <a:fillRect/>
+          </a:stretch>
+        </p:blipFill>
+        <p:spPr>
+          <a:xfrm>
+            <a:off x="2797906" y="992555"/>
+            <a:ext cx="5233133" cy="5783543"/>
+          </a:xfrm>
+          <a:prstGeom prst="rect">
+            <a:avLst/>
+          </a:prstGeom>
+        </p:spPr>
+      </p:pic>
+    </p:spTree>
+    <p:extLst>
+      <p:ext uri="{BB962C8B-B14F-4D97-AF65-F5344CB8AC3E}">
         <p14:creationId xmlns:p14="http://schemas.microsoft.com/office/powerpoint/2010/main" val="109881626"/>
       </p:ext>
     </p:extLst>
@@ -6277,10 +6455,982 @@
   <p:clrMapOvr>
     <a:masterClrMapping/>
   </p:clrMapOvr>
+  <p:timing>
+    <p:tnLst>
+      <p:par>
+        <p:cTn id="1" dur="indefinite" restart="never" nodeType="tmRoot"/>
+      </p:par>
+    </p:tnLst>
+  </p:timing>
 </p:sld>
 </file>
 
-<file path=ppt/slides/slide19.xml><?xml version="1.0" encoding="utf-8"?>
+<file path=ppt/slides/slide2.xml><?xml version="1.0" encoding="utf-8"?>
+<p:sld xmlns:a="http://schemas.openxmlformats.org/drawingml/2006/main" xmlns:r="http://schemas.openxmlformats.org/officeDocument/2006/relationships" xmlns:p="http://schemas.openxmlformats.org/presentationml/2006/main">
+  <p:cSld>
+    <p:spTree>
+      <p:nvGrpSpPr>
+        <p:cNvPr id="1" name=""/>
+        <p:cNvGrpSpPr/>
+        <p:nvPr/>
+      </p:nvGrpSpPr>
+      <p:grpSpPr>
+        <a:xfrm>
+          <a:off x="0" y="0"/>
+          <a:ext cx="0" cy="0"/>
+          <a:chOff x="0" y="0"/>
+          <a:chExt cx="0" cy="0"/>
+        </a:xfrm>
+      </p:grpSpPr>
+      <p:sp>
+        <p:nvSpPr>
+          <p:cNvPr id="9" name="제목 1"/>
+          <p:cNvSpPr txBox="1">
+            <a:spLocks/>
+          </p:cNvSpPr>
+          <p:nvPr/>
+        </p:nvSpPr>
+        <p:spPr>
+          <a:xfrm>
+            <a:off x="677727" y="1477108"/>
+            <a:ext cx="10972800" cy="5585570"/>
+          </a:xfrm>
+          <a:prstGeom prst="rect">
+            <a:avLst/>
+          </a:prstGeom>
+        </p:spPr>
+        <p:txBody>
+          <a:bodyPr vert="horz" lIns="112542" tIns="56271" rIns="112542" bIns="56271" rtlCol="0" anchor="ctr">
+            <a:normAutofit fontScale="92500" lnSpcReduction="10000"/>
+          </a:bodyPr>
+          <a:lstStyle>
+            <a:lvl1pPr algn="l" defTabSz="914400" rtl="0" eaLnBrk="1" latinLnBrk="1" hangingPunct="1">
+              <a:spcBef>
+                <a:spcPct val="0"/>
+              </a:spcBef>
+              <a:buNone/>
+              <a:defRPr sz="2800" b="1" kern="1200">
+                <a:solidFill>
+                  <a:schemeClr val="tx1">
+                    <a:lumMod val="50000"/>
+                    <a:lumOff val="50000"/>
+                  </a:schemeClr>
+                </a:solidFill>
+                <a:latin typeface="맑은 고딕" panose="020B0503020000020004" pitchFamily="50" charset="-127"/>
+                <a:ea typeface="맑은 고딕" panose="020B0503020000020004" pitchFamily="50" charset="-127"/>
+                <a:cs typeface="+mj-cs"/>
+              </a:defRPr>
+            </a:lvl1pPr>
+          </a:lstStyle>
+          <a:p>
+            <a:pPr marL="1125444" lvl="1" indent="-562722" algn="l" fontAlgn="auto">
+              <a:spcAft>
+                <a:spcPts val="0"/>
+              </a:spcAft>
+              <a:buFont typeface="Arial" panose="020B0604020202020204" pitchFamily="34" charset="0"/>
+              <a:buChar char="•"/>
+            </a:pPr>
+            <a:r>
+              <a:rPr lang="en-US" altLang="ko-KR" sz="2800" dirty="0">
+                <a:latin typeface="+mn-ea"/>
+              </a:rPr>
+              <a:t>1</a:t>
+            </a:r>
+            <a:r>
+              <a:rPr lang="ko-KR" altLang="en-US" sz="2800" dirty="0">
+                <a:latin typeface="+mn-ea"/>
+              </a:rPr>
+              <a:t>주 </a:t>
+            </a:r>
+            <a:r>
+              <a:rPr lang="en-US" altLang="ko-KR" sz="2800" dirty="0">
+                <a:latin typeface="+mn-ea"/>
+              </a:rPr>
+              <a:t>: </a:t>
+            </a:r>
+            <a:r>
+              <a:rPr lang="ko-KR" altLang="en-US" sz="2800" dirty="0">
+                <a:latin typeface="+mn-ea"/>
+              </a:rPr>
+              <a:t>강의소개 및 </a:t>
+            </a:r>
+            <a:r>
+              <a:rPr lang="ko-KR" altLang="en-US" sz="2800" dirty="0" err="1">
+                <a:latin typeface="+mn-ea"/>
+              </a:rPr>
+              <a:t>딥러닝</a:t>
+            </a:r>
+            <a:r>
+              <a:rPr lang="ko-KR" altLang="en-US" sz="2800" dirty="0">
+                <a:latin typeface="+mn-ea"/>
+              </a:rPr>
+              <a:t> 개요</a:t>
+            </a:r>
+            <a:r>
+              <a:rPr lang="en-US" altLang="ko-KR" sz="2800" dirty="0">
+                <a:latin typeface="+mn-ea"/>
+              </a:rPr>
+              <a:t>.</a:t>
+            </a:r>
+          </a:p>
+          <a:p>
+            <a:pPr marL="1582644" lvl="2" indent="-562722" algn="l" fontAlgn="auto">
+              <a:spcAft>
+                <a:spcPts val="0"/>
+              </a:spcAft>
+              <a:buFont typeface="Arial" panose="020B0604020202020204" pitchFamily="34" charset="0"/>
+              <a:buChar char="•"/>
+            </a:pPr>
+            <a:r>
+              <a:rPr lang="ko-KR" altLang="en-US" sz="2000" dirty="0" err="1">
+                <a:latin typeface="+mn-ea"/>
+              </a:rPr>
+              <a:t>딥러닝</a:t>
+            </a:r>
+            <a:r>
+              <a:rPr lang="ko-KR" altLang="en-US" sz="2000" dirty="0">
+                <a:latin typeface="+mn-ea"/>
+              </a:rPr>
+              <a:t> 개요</a:t>
+            </a:r>
+            <a:endParaRPr lang="en-US" altLang="ko-KR" sz="2000" dirty="0">
+              <a:latin typeface="+mn-ea"/>
+            </a:endParaRPr>
+          </a:p>
+          <a:p>
+            <a:pPr marL="1582644" lvl="2" indent="-562722" algn="l" fontAlgn="auto">
+              <a:spcAft>
+                <a:spcPts val="0"/>
+              </a:spcAft>
+              <a:buFont typeface="Arial" panose="020B0604020202020204" pitchFamily="34" charset="0"/>
+              <a:buChar char="•"/>
+            </a:pPr>
+            <a:r>
+              <a:rPr lang="ko-KR" altLang="en-US" sz="2000" strike="sngStrike" dirty="0">
+                <a:latin typeface="+mn-ea"/>
+              </a:rPr>
+              <a:t>팀 프로젝트 </a:t>
+            </a:r>
+            <a:r>
+              <a:rPr lang="en-US" altLang="ko-KR" sz="2000" strike="sngStrike" dirty="0">
+                <a:latin typeface="+mn-ea"/>
+              </a:rPr>
+              <a:t>– </a:t>
+            </a:r>
+            <a:r>
+              <a:rPr lang="ko-KR" altLang="en-US" sz="2000" strike="sngStrike" dirty="0">
+                <a:latin typeface="+mn-ea"/>
+              </a:rPr>
+              <a:t>팀 구성 </a:t>
+            </a:r>
+            <a:r>
+              <a:rPr lang="en-US" altLang="ko-KR" sz="2000" dirty="0">
+                <a:latin typeface="+mn-ea"/>
+              </a:rPr>
+              <a:t>=&gt; </a:t>
+            </a:r>
+            <a:r>
+              <a:rPr lang="ko-KR" altLang="en-US" sz="2000" dirty="0">
+                <a:latin typeface="+mn-ea"/>
+              </a:rPr>
+              <a:t>매 강의 </a:t>
+            </a:r>
+            <a:r>
+              <a:rPr lang="ko-KR" altLang="en-US" sz="2000" dirty="0" err="1">
+                <a:latin typeface="+mn-ea"/>
+              </a:rPr>
+              <a:t>코드랩으로</a:t>
+            </a:r>
+            <a:r>
+              <a:rPr lang="ko-KR" altLang="en-US" sz="2000" dirty="0">
+                <a:latin typeface="+mn-ea"/>
+              </a:rPr>
+              <a:t> 진행</a:t>
+            </a:r>
+            <a:endParaRPr lang="en-US" altLang="ko-KR" sz="2000" dirty="0">
+              <a:latin typeface="+mn-ea"/>
+            </a:endParaRPr>
+          </a:p>
+          <a:p>
+            <a:pPr marL="2039844" lvl="3" indent="-562722" algn="l" fontAlgn="auto">
+              <a:spcAft>
+                <a:spcPts val="0"/>
+              </a:spcAft>
+              <a:buFont typeface="Arial" panose="020B0604020202020204" pitchFamily="34" charset="0"/>
+              <a:buChar char="•"/>
+            </a:pPr>
+            <a:endParaRPr lang="en-US" altLang="ko-KR" sz="2400" b="1" dirty="0">
+              <a:latin typeface="+mn-ea"/>
+            </a:endParaRPr>
+          </a:p>
+          <a:p>
+            <a:pPr marL="1125444" lvl="1" indent="-562722" algn="l" fontAlgn="auto">
+              <a:spcAft>
+                <a:spcPts val="0"/>
+              </a:spcAft>
+              <a:buFont typeface="Arial" panose="020B0604020202020204" pitchFamily="34" charset="0"/>
+              <a:buChar char="•"/>
+            </a:pPr>
+            <a:r>
+              <a:rPr lang="en-US" altLang="ko-KR" sz="2800" dirty="0">
+                <a:latin typeface="+mn-ea"/>
+              </a:rPr>
+              <a:t>2</a:t>
+            </a:r>
+            <a:r>
+              <a:rPr lang="ko-KR" altLang="en-US" sz="2800" dirty="0">
+                <a:latin typeface="+mn-ea"/>
+              </a:rPr>
+              <a:t>주 </a:t>
+            </a:r>
+            <a:r>
+              <a:rPr lang="en-US" altLang="ko-KR" sz="2800" dirty="0">
+                <a:latin typeface="+mn-ea"/>
+              </a:rPr>
+              <a:t>: </a:t>
+            </a:r>
+            <a:r>
+              <a:rPr lang="ko-KR" altLang="en-US" sz="2800" dirty="0" err="1">
+                <a:latin typeface="+mn-ea"/>
+              </a:rPr>
+              <a:t>딥러닝</a:t>
+            </a:r>
+            <a:r>
+              <a:rPr lang="ko-KR" altLang="en-US" sz="2800" dirty="0">
+                <a:latin typeface="+mn-ea"/>
+              </a:rPr>
+              <a:t> 공부 방법</a:t>
+            </a:r>
+            <a:endParaRPr lang="en-US" altLang="ko-KR" sz="2800" dirty="0">
+              <a:latin typeface="+mn-ea"/>
+            </a:endParaRPr>
+          </a:p>
+          <a:p>
+            <a:pPr marL="1582644" lvl="2" indent="-562722" algn="l" fontAlgn="auto">
+              <a:spcAft>
+                <a:spcPts val="0"/>
+              </a:spcAft>
+              <a:buFont typeface="Arial" panose="020B0604020202020204" pitchFamily="34" charset="0"/>
+              <a:buChar char="•"/>
+            </a:pPr>
+            <a:r>
+              <a:rPr lang="ko-KR" altLang="en-US" sz="2000" dirty="0" err="1">
+                <a:latin typeface="+mn-ea"/>
+              </a:rPr>
+              <a:t>딥러닝</a:t>
+            </a:r>
+            <a:r>
+              <a:rPr lang="ko-KR" altLang="en-US" sz="2000" dirty="0">
+                <a:latin typeface="+mn-ea"/>
+              </a:rPr>
+              <a:t> 공부 방법 </a:t>
+            </a:r>
+            <a:endParaRPr lang="en-US" altLang="ko-KR" sz="2000" dirty="0">
+              <a:latin typeface="+mn-ea"/>
+            </a:endParaRPr>
+          </a:p>
+          <a:p>
+            <a:pPr marL="1582644" lvl="2" indent="-562722" algn="l" fontAlgn="auto">
+              <a:spcAft>
+                <a:spcPts val="0"/>
+              </a:spcAft>
+              <a:buFont typeface="Arial" panose="020B0604020202020204" pitchFamily="34" charset="0"/>
+              <a:buChar char="•"/>
+            </a:pPr>
+            <a:r>
+              <a:rPr lang="en-US" altLang="ko-KR" sz="2000" dirty="0" err="1">
+                <a:latin typeface="+mn-ea"/>
+              </a:rPr>
+              <a:t>kaggle</a:t>
+            </a:r>
+            <a:r>
+              <a:rPr lang="en-US" altLang="ko-KR" sz="2000" dirty="0">
+                <a:latin typeface="+mn-ea"/>
+              </a:rPr>
+              <a:t> </a:t>
+            </a:r>
+            <a:r>
+              <a:rPr lang="ko-KR" altLang="en-US" sz="2000" dirty="0">
+                <a:latin typeface="+mn-ea"/>
+              </a:rPr>
+              <a:t>소개 </a:t>
+            </a:r>
+            <a:endParaRPr lang="en-US" altLang="ko-KR" sz="2000" dirty="0">
+              <a:latin typeface="+mn-ea"/>
+            </a:endParaRPr>
+          </a:p>
+          <a:p>
+            <a:pPr marL="1582644" lvl="2" indent="-562722" algn="l" fontAlgn="auto">
+              <a:spcAft>
+                <a:spcPts val="0"/>
+              </a:spcAft>
+              <a:buFont typeface="Arial" panose="020B0604020202020204" pitchFamily="34" charset="0"/>
+              <a:buChar char="•"/>
+            </a:pPr>
+            <a:r>
+              <a:rPr lang="en-US" altLang="ko-KR" sz="2000" dirty="0" err="1">
+                <a:latin typeface="+mn-ea"/>
+              </a:rPr>
+              <a:t>kaggle</a:t>
+            </a:r>
+            <a:r>
+              <a:rPr lang="en-US" altLang="ko-KR" sz="2000" dirty="0">
+                <a:latin typeface="+mn-ea"/>
+              </a:rPr>
+              <a:t> </a:t>
+            </a:r>
+            <a:r>
+              <a:rPr lang="ko-KR" altLang="en-US" sz="2000" dirty="0">
+                <a:latin typeface="+mn-ea"/>
+              </a:rPr>
+              <a:t>문제풀이 </a:t>
+            </a:r>
+            <a:endParaRPr lang="en-US" altLang="ko-KR" sz="2000" dirty="0">
+              <a:latin typeface="+mn-ea"/>
+            </a:endParaRPr>
+          </a:p>
+          <a:p>
+            <a:pPr marL="1582644" lvl="2" indent="-562722" algn="l" fontAlgn="auto">
+              <a:spcAft>
+                <a:spcPts val="0"/>
+              </a:spcAft>
+              <a:buFont typeface="Arial" panose="020B0604020202020204" pitchFamily="34" charset="0"/>
+              <a:buChar char="•"/>
+            </a:pPr>
+            <a:endParaRPr lang="en-US" altLang="ko-KR" sz="2400" dirty="0">
+              <a:latin typeface="+mn-ea"/>
+            </a:endParaRPr>
+          </a:p>
+          <a:p>
+            <a:pPr marL="1125444" lvl="1" indent="-562722" algn="l" fontAlgn="auto">
+              <a:spcAft>
+                <a:spcPts val="0"/>
+              </a:spcAft>
+              <a:buFont typeface="Arial" panose="020B0604020202020204" pitchFamily="34" charset="0"/>
+              <a:buChar char="•"/>
+            </a:pPr>
+            <a:r>
+              <a:rPr lang="en-US" altLang="ko-KR" sz="2800" dirty="0">
+                <a:latin typeface="+mn-ea"/>
+              </a:rPr>
+              <a:t>3</a:t>
+            </a:r>
+            <a:r>
+              <a:rPr lang="ko-KR" altLang="en-US" sz="2800" dirty="0">
+                <a:latin typeface="+mn-ea"/>
+              </a:rPr>
+              <a:t>주 </a:t>
+            </a:r>
+            <a:r>
+              <a:rPr lang="en-US" altLang="ko-KR" sz="2800" dirty="0">
+                <a:latin typeface="+mn-ea"/>
+              </a:rPr>
+              <a:t>: GAN </a:t>
+            </a:r>
+            <a:r>
+              <a:rPr lang="ko-KR" altLang="en-US" sz="2800" dirty="0">
+                <a:latin typeface="+mn-ea"/>
+              </a:rPr>
+              <a:t>소개 </a:t>
+            </a:r>
+            <a:endParaRPr lang="en-US" altLang="ko-KR" sz="2800" dirty="0">
+              <a:latin typeface="+mn-ea"/>
+            </a:endParaRPr>
+          </a:p>
+          <a:p>
+            <a:pPr marL="1582644" lvl="2" indent="-562722" algn="l" fontAlgn="auto">
+              <a:spcAft>
+                <a:spcPts val="0"/>
+              </a:spcAft>
+              <a:buFont typeface="Arial" panose="020B0604020202020204" pitchFamily="34" charset="0"/>
+              <a:buChar char="•"/>
+            </a:pPr>
+            <a:r>
+              <a:rPr lang="en-US" altLang="ko-KR" sz="2000" dirty="0">
+                <a:latin typeface="+mn-ea"/>
+              </a:rPr>
+              <a:t>GAN </a:t>
+            </a:r>
+            <a:r>
+              <a:rPr lang="ko-KR" altLang="en-US" sz="2000" dirty="0">
+                <a:latin typeface="+mn-ea"/>
+              </a:rPr>
+              <a:t>소개 </a:t>
+            </a:r>
+            <a:endParaRPr lang="en-US" altLang="ko-KR" sz="2000" dirty="0">
+              <a:latin typeface="+mn-ea"/>
+            </a:endParaRPr>
+          </a:p>
+          <a:p>
+            <a:pPr marL="1582644" lvl="2" indent="-562722" algn="l" fontAlgn="auto">
+              <a:spcAft>
+                <a:spcPts val="0"/>
+              </a:spcAft>
+              <a:buFont typeface="Arial" panose="020B0604020202020204" pitchFamily="34" charset="0"/>
+              <a:buChar char="•"/>
+            </a:pPr>
+            <a:r>
+              <a:rPr lang="en-US" altLang="ko-KR" sz="2000" dirty="0">
+                <a:latin typeface="+mn-ea"/>
+              </a:rPr>
+              <a:t>GAN </a:t>
+            </a:r>
+            <a:r>
+              <a:rPr lang="ko-KR" altLang="en-US" sz="2000" dirty="0">
+                <a:latin typeface="+mn-ea"/>
+              </a:rPr>
+              <a:t>예제 </a:t>
+            </a:r>
+            <a:endParaRPr lang="en-US" altLang="ko-KR" sz="2000" dirty="0">
+              <a:latin typeface="+mn-ea"/>
+            </a:endParaRPr>
+          </a:p>
+          <a:p>
+            <a:pPr marL="1582644" lvl="2" indent="-562722" algn="l" fontAlgn="auto">
+              <a:spcAft>
+                <a:spcPts val="0"/>
+              </a:spcAft>
+              <a:buFont typeface="Arial" panose="020B0604020202020204" pitchFamily="34" charset="0"/>
+              <a:buChar char="•"/>
+            </a:pPr>
+            <a:endParaRPr lang="en-US" altLang="ko-KR" sz="2000" dirty="0">
+              <a:latin typeface="+mn-ea"/>
+            </a:endParaRPr>
+          </a:p>
+          <a:p>
+            <a:pPr marL="1125444" lvl="1" indent="-562722" algn="l" fontAlgn="auto">
+              <a:spcAft>
+                <a:spcPts val="0"/>
+              </a:spcAft>
+              <a:buFont typeface="Arial" panose="020B0604020202020204" pitchFamily="34" charset="0"/>
+              <a:buChar char="•"/>
+            </a:pPr>
+            <a:r>
+              <a:rPr lang="en-US" altLang="ko-KR" sz="2800" dirty="0">
+                <a:solidFill>
+                  <a:srgbClr val="FF0000"/>
+                </a:solidFill>
+                <a:latin typeface="+mn-ea"/>
+              </a:rPr>
+              <a:t>4</a:t>
+            </a:r>
+            <a:r>
+              <a:rPr lang="ko-KR" altLang="en-US" sz="2800" dirty="0">
+                <a:solidFill>
+                  <a:srgbClr val="FF0000"/>
+                </a:solidFill>
+                <a:latin typeface="+mn-ea"/>
+              </a:rPr>
+              <a:t>주 </a:t>
+            </a:r>
+            <a:r>
+              <a:rPr lang="en-US" altLang="ko-KR" sz="2800" dirty="0">
+                <a:solidFill>
+                  <a:srgbClr val="FF0000"/>
+                </a:solidFill>
+                <a:latin typeface="+mn-ea"/>
+              </a:rPr>
+              <a:t>: GAN </a:t>
+            </a:r>
+            <a:r>
+              <a:rPr lang="ko-KR" altLang="en-US" sz="2800" dirty="0" smtClean="0">
+                <a:solidFill>
+                  <a:srgbClr val="FF0000"/>
+                </a:solidFill>
+                <a:latin typeface="+mn-ea"/>
+              </a:rPr>
+              <a:t>심화</a:t>
+            </a:r>
+            <a:endParaRPr lang="en-US" altLang="ko-KR" sz="2800" dirty="0" smtClean="0">
+              <a:solidFill>
+                <a:srgbClr val="FF0000"/>
+              </a:solidFill>
+              <a:latin typeface="+mn-ea"/>
+            </a:endParaRPr>
+          </a:p>
+          <a:p>
+            <a:pPr marL="1582644" lvl="2" indent="-562722" algn="l" fontAlgn="auto">
+              <a:spcAft>
+                <a:spcPts val="0"/>
+              </a:spcAft>
+              <a:buFont typeface="Arial" panose="020B0604020202020204" pitchFamily="34" charset="0"/>
+              <a:buChar char="•"/>
+            </a:pPr>
+            <a:r>
+              <a:rPr lang="en-US" altLang="ko-KR" sz="2000" dirty="0" smtClean="0">
+                <a:solidFill>
+                  <a:srgbClr val="FF0000"/>
+                </a:solidFill>
+                <a:latin typeface="+mn-ea"/>
+              </a:rPr>
+              <a:t>GAN </a:t>
+            </a:r>
+            <a:r>
+              <a:rPr lang="ko-KR" altLang="en-US" sz="2000" dirty="0" smtClean="0">
+                <a:solidFill>
+                  <a:srgbClr val="FF0000"/>
+                </a:solidFill>
+                <a:latin typeface="+mn-ea"/>
+              </a:rPr>
+              <a:t>심화 </a:t>
+            </a:r>
+            <a:r>
+              <a:rPr lang="en-US" altLang="ko-KR" sz="2000" dirty="0" smtClean="0">
+                <a:solidFill>
+                  <a:srgbClr val="FF0000"/>
+                </a:solidFill>
+                <a:latin typeface="+mn-ea"/>
+              </a:rPr>
+              <a:t>– </a:t>
+            </a:r>
+          </a:p>
+          <a:p>
+            <a:pPr marL="1582644" lvl="2" indent="-562722" algn="l" fontAlgn="auto">
+              <a:spcAft>
+                <a:spcPts val="0"/>
+              </a:spcAft>
+              <a:buFont typeface="Arial" panose="020B0604020202020204" pitchFamily="34" charset="0"/>
+              <a:buChar char="•"/>
+            </a:pPr>
+            <a:r>
+              <a:rPr lang="en-US" altLang="ko-KR" sz="2000" dirty="0" smtClean="0">
+                <a:solidFill>
+                  <a:srgbClr val="FF0000"/>
+                </a:solidFill>
+                <a:latin typeface="+mn-ea"/>
+              </a:rPr>
+              <a:t>GAN </a:t>
+            </a:r>
+            <a:r>
+              <a:rPr lang="ko-KR" altLang="en-US" sz="2000" dirty="0">
+                <a:solidFill>
+                  <a:srgbClr val="FF0000"/>
+                </a:solidFill>
+                <a:latin typeface="+mn-ea"/>
+              </a:rPr>
+              <a:t>심화 예제 </a:t>
+            </a:r>
+            <a:r>
+              <a:rPr lang="en-US" altLang="ko-KR" sz="2000" dirty="0">
+                <a:solidFill>
+                  <a:srgbClr val="FF0000"/>
+                </a:solidFill>
+                <a:latin typeface="+mn-ea"/>
+              </a:rPr>
+              <a:t>- </a:t>
+            </a:r>
+            <a:r>
+              <a:rPr lang="en-US" altLang="ko-KR" sz="2000" dirty="0" smtClean="0">
+                <a:solidFill>
+                  <a:srgbClr val="FF0000"/>
+                </a:solidFill>
+                <a:latin typeface="+mn-ea"/>
+              </a:rPr>
+              <a:t>CGAN</a:t>
+            </a:r>
+            <a:endParaRPr lang="en-US" altLang="ko-KR" sz="2000" dirty="0">
+              <a:solidFill>
+                <a:srgbClr val="FF0000"/>
+              </a:solidFill>
+              <a:latin typeface="+mn-ea"/>
+            </a:endParaRPr>
+          </a:p>
+          <a:p>
+            <a:pPr marL="1582644" lvl="2" indent="-562722" algn="l" fontAlgn="auto">
+              <a:spcAft>
+                <a:spcPts val="0"/>
+              </a:spcAft>
+              <a:buFont typeface="Arial" panose="020B0604020202020204" pitchFamily="34" charset="0"/>
+              <a:buChar char="•"/>
+            </a:pPr>
+            <a:endParaRPr lang="en-US" altLang="ko-KR" sz="2000" dirty="0" smtClean="0">
+              <a:latin typeface="+mn-ea"/>
+            </a:endParaRPr>
+          </a:p>
+          <a:p>
+            <a:pPr marL="1125444" lvl="1" indent="-562722" algn="l" fontAlgn="auto">
+              <a:spcAft>
+                <a:spcPts val="0"/>
+              </a:spcAft>
+              <a:buFont typeface="Arial" panose="020B0604020202020204" pitchFamily="34" charset="0"/>
+              <a:buChar char="•"/>
+            </a:pPr>
+            <a:r>
+              <a:rPr lang="en-US" altLang="ko-KR" sz="2800" dirty="0" smtClean="0">
+                <a:latin typeface="+mn-ea"/>
+              </a:rPr>
+              <a:t>5</a:t>
+            </a:r>
+            <a:r>
+              <a:rPr lang="ko-KR" altLang="en-US" sz="2800" dirty="0">
+                <a:latin typeface="+mn-ea"/>
+              </a:rPr>
+              <a:t>주 </a:t>
+            </a:r>
+            <a:r>
+              <a:rPr lang="en-US" altLang="ko-KR" sz="2800" dirty="0">
+                <a:latin typeface="+mn-ea"/>
+              </a:rPr>
+              <a:t>: </a:t>
+            </a:r>
+            <a:r>
+              <a:rPr lang="ko-KR" altLang="en-US" sz="2800" dirty="0" smtClean="0">
+                <a:latin typeface="+mn-ea"/>
+              </a:rPr>
+              <a:t>기타 </a:t>
+            </a:r>
+            <a:r>
+              <a:rPr lang="en-US" altLang="ko-KR" sz="2800" dirty="0" smtClean="0">
+                <a:latin typeface="+mn-ea"/>
+              </a:rPr>
+              <a:t>GAN </a:t>
+            </a:r>
+            <a:r>
+              <a:rPr lang="ko-KR" altLang="en-US" sz="2800" dirty="0" smtClean="0">
+                <a:latin typeface="+mn-ea"/>
+              </a:rPr>
+              <a:t>소개 </a:t>
+            </a:r>
+            <a:r>
+              <a:rPr lang="en-US" altLang="ko-KR" sz="2800" dirty="0" smtClean="0">
+                <a:latin typeface="+mn-ea"/>
+              </a:rPr>
+              <a:t>&amp; </a:t>
+            </a:r>
+            <a:r>
+              <a:rPr lang="ko-KR" altLang="en-US" sz="2800" dirty="0" smtClean="0">
+                <a:latin typeface="+mn-ea"/>
+              </a:rPr>
+              <a:t>회고</a:t>
+            </a:r>
+            <a:endParaRPr lang="en-US" altLang="ko-KR" sz="2800" dirty="0">
+              <a:latin typeface="+mn-ea"/>
+            </a:endParaRPr>
+          </a:p>
+          <a:p>
+            <a:pPr marL="1019922" lvl="2" algn="l" fontAlgn="auto">
+              <a:spcAft>
+                <a:spcPts val="0"/>
+              </a:spcAft>
+            </a:pPr>
+            <a:endParaRPr lang="en-US" altLang="ko-KR" sz="2000" dirty="0">
+              <a:latin typeface="+mn-ea"/>
+            </a:endParaRPr>
+          </a:p>
+          <a:p>
+            <a:pPr marL="1125444" lvl="1" indent="-562722" algn="l" fontAlgn="auto">
+              <a:spcAft>
+                <a:spcPts val="0"/>
+              </a:spcAft>
+              <a:buFont typeface="Arial" panose="020B0604020202020204" pitchFamily="34" charset="0"/>
+              <a:buChar char="•"/>
+            </a:pPr>
+            <a:endParaRPr lang="en-US" altLang="ko-KR" sz="2000" dirty="0">
+              <a:latin typeface="+mn-ea"/>
+            </a:endParaRPr>
+          </a:p>
+          <a:p>
+            <a:pPr marL="1125444" lvl="1" indent="-562722" algn="l" fontAlgn="auto">
+              <a:spcAft>
+                <a:spcPts val="0"/>
+              </a:spcAft>
+              <a:buFont typeface="Arial" panose="020B0604020202020204" pitchFamily="34" charset="0"/>
+              <a:buChar char="•"/>
+            </a:pPr>
+            <a:endParaRPr lang="en-US" altLang="ko-KR" sz="2800" dirty="0">
+              <a:latin typeface="+mn-ea"/>
+            </a:endParaRPr>
+          </a:p>
+        </p:txBody>
+      </p:sp>
+      <p:sp>
+        <p:nvSpPr>
+          <p:cNvPr id="2" name="직사각형 1"/>
+          <p:cNvSpPr/>
+          <p:nvPr/>
+        </p:nvSpPr>
+        <p:spPr>
+          <a:xfrm>
+            <a:off x="130629" y="138670"/>
+            <a:ext cx="4487559" cy="523220"/>
+          </a:xfrm>
+          <a:prstGeom prst="rect">
+            <a:avLst/>
+          </a:prstGeom>
+        </p:spPr>
+        <p:txBody>
+          <a:bodyPr wrap="square">
+            <a:spAutoFit/>
+          </a:bodyPr>
+          <a:lstStyle/>
+          <a:p>
+            <a:pPr lvl="0"/>
+            <a:r>
+              <a:rPr lang="ko-KR" altLang="en-US" sz="2800" b="1" dirty="0" err="1">
+                <a:solidFill>
+                  <a:schemeClr val="bg1"/>
+                </a:solidFill>
+                <a:effectLst>
+                  <a:outerShdw blurRad="38100" dist="38100" dir="2700000" algn="tl">
+                    <a:srgbClr val="000000">
+                      <a:alpha val="43137"/>
+                    </a:srgbClr>
+                  </a:outerShdw>
+                </a:effectLst>
+                <a:latin typeface="+mn-ea"/>
+                <a:ea typeface="+mn-ea"/>
+                <a:sym typeface="Google Sans"/>
+              </a:rPr>
+              <a:t>딥러닝</a:t>
+            </a:r>
+            <a:r>
+              <a:rPr lang="ko-KR" altLang="en-US" sz="2800" b="1" dirty="0">
+                <a:solidFill>
+                  <a:schemeClr val="bg1"/>
+                </a:solidFill>
+                <a:effectLst>
+                  <a:outerShdw blurRad="38100" dist="38100" dir="2700000" algn="tl">
+                    <a:srgbClr val="000000">
+                      <a:alpha val="43137"/>
+                    </a:srgbClr>
+                  </a:outerShdw>
+                </a:effectLst>
+                <a:latin typeface="+mn-ea"/>
+                <a:ea typeface="+mn-ea"/>
+                <a:sym typeface="Google Sans"/>
+              </a:rPr>
+              <a:t> </a:t>
+            </a:r>
+            <a:r>
+              <a:rPr lang="ko-KR" altLang="en-US" sz="2800" b="1" dirty="0" smtClean="0">
+                <a:solidFill>
+                  <a:schemeClr val="bg1"/>
+                </a:solidFill>
+                <a:effectLst>
+                  <a:outerShdw blurRad="38100" dist="38100" dir="2700000" algn="tl">
+                    <a:srgbClr val="000000">
+                      <a:alpha val="43137"/>
+                    </a:srgbClr>
+                  </a:outerShdw>
+                </a:effectLst>
+                <a:latin typeface="+mn-ea"/>
+                <a:ea typeface="+mn-ea"/>
+                <a:sym typeface="Google Sans"/>
+              </a:rPr>
+              <a:t>응용</a:t>
+            </a:r>
+            <a:endParaRPr lang="ko-KR" altLang="en-US" sz="2400" b="1" dirty="0">
+              <a:solidFill>
+                <a:schemeClr val="bg1"/>
+              </a:solidFill>
+              <a:effectLst>
+                <a:outerShdw blurRad="38100" dist="38100" dir="2700000" algn="tl">
+                  <a:srgbClr val="000000">
+                    <a:alpha val="43137"/>
+                  </a:srgbClr>
+                </a:outerShdw>
+              </a:effectLst>
+              <a:latin typeface="+mn-ea"/>
+              <a:ea typeface="+mn-ea"/>
+              <a:cs typeface="Google Sans"/>
+              <a:sym typeface="Google Sans"/>
+            </a:endParaRPr>
+          </a:p>
+        </p:txBody>
+      </p:sp>
+    </p:spTree>
+    <p:extLst>
+      <p:ext uri="{BB962C8B-B14F-4D97-AF65-F5344CB8AC3E}">
+        <p14:creationId xmlns:p14="http://schemas.microsoft.com/office/powerpoint/2010/main" val="3500897819"/>
+      </p:ext>
+    </p:extLst>
+  </p:cSld>
+  <p:clrMapOvr>
+    <a:masterClrMapping/>
+  </p:clrMapOvr>
+  <p:timing>
+    <p:tnLst>
+      <p:par>
+        <p:cTn id="1" dur="indefinite" restart="never" nodeType="tmRoot"/>
+      </p:par>
+    </p:tnLst>
+  </p:timing>
+</p:sld>
+</file>
+
+<file path=ppt/slides/slide20.xml><?xml version="1.0" encoding="utf-8"?>
+<p:sld xmlns:a="http://schemas.openxmlformats.org/drawingml/2006/main" xmlns:r="http://schemas.openxmlformats.org/officeDocument/2006/relationships" xmlns:p="http://schemas.openxmlformats.org/presentationml/2006/main">
+  <p:cSld>
+    <p:spTree>
+      <p:nvGrpSpPr>
+        <p:cNvPr id="1" name=""/>
+        <p:cNvGrpSpPr/>
+        <p:nvPr/>
+      </p:nvGrpSpPr>
+      <p:grpSpPr>
+        <a:xfrm>
+          <a:off x="0" y="0"/>
+          <a:ext cx="0" cy="0"/>
+          <a:chOff x="0" y="0"/>
+          <a:chExt cx="0" cy="0"/>
+        </a:xfrm>
+      </p:grpSpPr>
+      <p:sp>
+        <p:nvSpPr>
+          <p:cNvPr id="2" name="제목 1"/>
+          <p:cNvSpPr>
+            <a:spLocks noGrp="1"/>
+          </p:cNvSpPr>
+          <p:nvPr>
+            <p:ph type="title"/>
+          </p:nvPr>
+        </p:nvSpPr>
+        <p:spPr/>
+        <p:txBody>
+          <a:bodyPr>
+            <a:normAutofit fontScale="90000"/>
+          </a:bodyPr>
+          <a:lstStyle/>
+          <a:p>
+            <a:r>
+              <a:rPr lang="en-US" altLang="ko-KR" dirty="0" smtClean="0"/>
+              <a:t>CGAN – Conditional GAN</a:t>
+            </a:r>
+            <a:endParaRPr lang="ko-KR" altLang="en-US" dirty="0"/>
+          </a:p>
+        </p:txBody>
+      </p:sp>
+      <p:pic>
+        <p:nvPicPr>
+          <p:cNvPr id="3" name="그림 2"/>
+          <p:cNvPicPr>
+            <a:picLocks noChangeAspect="1"/>
+          </p:cNvPicPr>
+          <p:nvPr/>
+        </p:nvPicPr>
+        <p:blipFill>
+          <a:blip r:embed="rId2"/>
+          <a:stretch>
+            <a:fillRect/>
+          </a:stretch>
+        </p:blipFill>
+        <p:spPr>
+          <a:xfrm>
+            <a:off x="2765058" y="1234831"/>
+            <a:ext cx="5895975" cy="4419600"/>
+          </a:xfrm>
+          <a:prstGeom prst="rect">
+            <a:avLst/>
+          </a:prstGeom>
+        </p:spPr>
+      </p:pic>
+    </p:spTree>
+    <p:extLst>
+      <p:ext uri="{BB962C8B-B14F-4D97-AF65-F5344CB8AC3E}">
+        <p14:creationId xmlns:p14="http://schemas.microsoft.com/office/powerpoint/2010/main" val="1971238989"/>
+      </p:ext>
+    </p:extLst>
+  </p:cSld>
+  <p:clrMapOvr>
+    <a:masterClrMapping/>
+  </p:clrMapOvr>
+  <p:timing>
+    <p:tnLst>
+      <p:par>
+        <p:cTn id="1" dur="indefinite" restart="never" nodeType="tmRoot"/>
+      </p:par>
+    </p:tnLst>
+  </p:timing>
+</p:sld>
+</file>
+
+<file path=ppt/slides/slide21.xml><?xml version="1.0" encoding="utf-8"?>
+<p:sld xmlns:a="http://schemas.openxmlformats.org/drawingml/2006/main" xmlns:r="http://schemas.openxmlformats.org/officeDocument/2006/relationships" xmlns:p="http://schemas.openxmlformats.org/presentationml/2006/main">
+  <p:cSld>
+    <p:spTree>
+      <p:nvGrpSpPr>
+        <p:cNvPr id="1" name=""/>
+        <p:cNvGrpSpPr/>
+        <p:nvPr/>
+      </p:nvGrpSpPr>
+      <p:grpSpPr>
+        <a:xfrm>
+          <a:off x="0" y="0"/>
+          <a:ext cx="0" cy="0"/>
+          <a:chOff x="0" y="0"/>
+          <a:chExt cx="0" cy="0"/>
+        </a:xfrm>
+      </p:grpSpPr>
+      <p:sp>
+        <p:nvSpPr>
+          <p:cNvPr id="2" name="제목 1"/>
+          <p:cNvSpPr>
+            <a:spLocks noGrp="1"/>
+          </p:cNvSpPr>
+          <p:nvPr>
+            <p:ph type="title"/>
+          </p:nvPr>
+        </p:nvSpPr>
+        <p:spPr/>
+        <p:txBody>
+          <a:bodyPr>
+            <a:normAutofit fontScale="90000"/>
+          </a:bodyPr>
+          <a:lstStyle/>
+          <a:p>
+            <a:r>
+              <a:rPr lang="en-US" altLang="ko-KR" dirty="0" smtClean="0"/>
+              <a:t>CGAN – Conditional GAN</a:t>
+            </a:r>
+            <a:endParaRPr lang="ko-KR" altLang="en-US" dirty="0"/>
+          </a:p>
+        </p:txBody>
+      </p:sp>
+      <p:pic>
+        <p:nvPicPr>
+          <p:cNvPr id="4" name="그림 3"/>
+          <p:cNvPicPr>
+            <a:picLocks noChangeAspect="1"/>
+          </p:cNvPicPr>
+          <p:nvPr/>
+        </p:nvPicPr>
+        <p:blipFill>
+          <a:blip r:embed="rId2"/>
+          <a:stretch>
+            <a:fillRect/>
+          </a:stretch>
+        </p:blipFill>
+        <p:spPr>
+          <a:xfrm>
+            <a:off x="2881312" y="1238250"/>
+            <a:ext cx="6429375" cy="4381500"/>
+          </a:xfrm>
+          <a:prstGeom prst="rect">
+            <a:avLst/>
+          </a:prstGeom>
+        </p:spPr>
+      </p:pic>
+    </p:spTree>
+    <p:extLst>
+      <p:ext uri="{BB962C8B-B14F-4D97-AF65-F5344CB8AC3E}">
+        <p14:creationId xmlns:p14="http://schemas.microsoft.com/office/powerpoint/2010/main" val="1117784908"/>
+      </p:ext>
+    </p:extLst>
+  </p:cSld>
+  <p:clrMapOvr>
+    <a:masterClrMapping/>
+  </p:clrMapOvr>
+  <p:timing>
+    <p:tnLst>
+      <p:par>
+        <p:cTn id="1" dur="indefinite" restart="never" nodeType="tmRoot"/>
+      </p:par>
+    </p:tnLst>
+  </p:timing>
+</p:sld>
+</file>
+
+<file path=ppt/slides/slide22.xml><?xml version="1.0" encoding="utf-8"?>
 <p:sld xmlns:a="http://schemas.openxmlformats.org/drawingml/2006/main" xmlns:r="http://schemas.openxmlformats.org/officeDocument/2006/relationships" xmlns:p="http://schemas.openxmlformats.org/presentationml/2006/main" showMasterSp="0">
   <p:cSld>
     <p:spTree>
@@ -6950,800 +8100,7 @@
 </p:sld>
 </file>
 
-<file path=ppt/slides/slide2.xml><?xml version="1.0" encoding="utf-8"?>
-<p:sld xmlns:a="http://schemas.openxmlformats.org/drawingml/2006/main" xmlns:r="http://schemas.openxmlformats.org/officeDocument/2006/relationships" xmlns:p="http://schemas.openxmlformats.org/presentationml/2006/main">
-  <p:cSld>
-    <p:spTree>
-      <p:nvGrpSpPr>
-        <p:cNvPr id="1" name=""/>
-        <p:cNvGrpSpPr/>
-        <p:nvPr/>
-      </p:nvGrpSpPr>
-      <p:grpSpPr>
-        <a:xfrm>
-          <a:off x="0" y="0"/>
-          <a:ext cx="0" cy="0"/>
-          <a:chOff x="0" y="0"/>
-          <a:chExt cx="0" cy="0"/>
-        </a:xfrm>
-      </p:grpSpPr>
-      <p:sp>
-        <p:nvSpPr>
-          <p:cNvPr id="9" name="제목 1"/>
-          <p:cNvSpPr txBox="1">
-            <a:spLocks/>
-          </p:cNvSpPr>
-          <p:nvPr/>
-        </p:nvSpPr>
-        <p:spPr>
-          <a:xfrm>
-            <a:off x="677727" y="1477108"/>
-            <a:ext cx="10972800" cy="5585570"/>
-          </a:xfrm>
-          <a:prstGeom prst="rect">
-            <a:avLst/>
-          </a:prstGeom>
-        </p:spPr>
-        <p:txBody>
-          <a:bodyPr vert="horz" lIns="112542" tIns="56271" rIns="112542" bIns="56271" rtlCol="0" anchor="ctr">
-            <a:normAutofit fontScale="92500" lnSpcReduction="10000"/>
-          </a:bodyPr>
-          <a:lstStyle>
-            <a:lvl1pPr algn="l" defTabSz="914400" rtl="0" eaLnBrk="1" latinLnBrk="1" hangingPunct="1">
-              <a:spcBef>
-                <a:spcPct val="0"/>
-              </a:spcBef>
-              <a:buNone/>
-              <a:defRPr sz="2800" b="1" kern="1200">
-                <a:solidFill>
-                  <a:schemeClr val="tx1">
-                    <a:lumMod val="50000"/>
-                    <a:lumOff val="50000"/>
-                  </a:schemeClr>
-                </a:solidFill>
-                <a:latin typeface="맑은 고딕" panose="020B0503020000020004" pitchFamily="50" charset="-127"/>
-                <a:ea typeface="맑은 고딕" panose="020B0503020000020004" pitchFamily="50" charset="-127"/>
-                <a:cs typeface="+mj-cs"/>
-              </a:defRPr>
-            </a:lvl1pPr>
-          </a:lstStyle>
-          <a:p>
-            <a:pPr marL="1125444" lvl="1" indent="-562722" algn="l" fontAlgn="auto">
-              <a:spcAft>
-                <a:spcPts val="0"/>
-              </a:spcAft>
-              <a:buFont typeface="Arial" panose="020B0604020202020204" pitchFamily="34" charset="0"/>
-              <a:buChar char="•"/>
-            </a:pPr>
-            <a:r>
-              <a:rPr lang="en-US" altLang="ko-KR" sz="2800" dirty="0">
-                <a:latin typeface="+mn-ea"/>
-              </a:rPr>
-              <a:t>1</a:t>
-            </a:r>
-            <a:r>
-              <a:rPr lang="ko-KR" altLang="en-US" sz="2800" dirty="0">
-                <a:latin typeface="+mn-ea"/>
-              </a:rPr>
-              <a:t>주 </a:t>
-            </a:r>
-            <a:r>
-              <a:rPr lang="en-US" altLang="ko-KR" sz="2800" dirty="0">
-                <a:latin typeface="+mn-ea"/>
-              </a:rPr>
-              <a:t>: </a:t>
-            </a:r>
-            <a:r>
-              <a:rPr lang="ko-KR" altLang="en-US" sz="2800" dirty="0">
-                <a:latin typeface="+mn-ea"/>
-              </a:rPr>
-              <a:t>강의소개 및 </a:t>
-            </a:r>
-            <a:r>
-              <a:rPr lang="ko-KR" altLang="en-US" sz="2800" dirty="0" err="1">
-                <a:latin typeface="+mn-ea"/>
-              </a:rPr>
-              <a:t>딥러닝</a:t>
-            </a:r>
-            <a:r>
-              <a:rPr lang="ko-KR" altLang="en-US" sz="2800" dirty="0">
-                <a:latin typeface="+mn-ea"/>
-              </a:rPr>
-              <a:t> 개요</a:t>
-            </a:r>
-            <a:r>
-              <a:rPr lang="en-US" altLang="ko-KR" sz="2800" dirty="0">
-                <a:latin typeface="+mn-ea"/>
-              </a:rPr>
-              <a:t>.</a:t>
-            </a:r>
-          </a:p>
-          <a:p>
-            <a:pPr marL="1582644" lvl="2" indent="-562722" algn="l" fontAlgn="auto">
-              <a:spcAft>
-                <a:spcPts val="0"/>
-              </a:spcAft>
-              <a:buFont typeface="Arial" panose="020B0604020202020204" pitchFamily="34" charset="0"/>
-              <a:buChar char="•"/>
-            </a:pPr>
-            <a:r>
-              <a:rPr lang="ko-KR" altLang="en-US" sz="2000" dirty="0" err="1">
-                <a:latin typeface="+mn-ea"/>
-              </a:rPr>
-              <a:t>딥러닝</a:t>
-            </a:r>
-            <a:r>
-              <a:rPr lang="ko-KR" altLang="en-US" sz="2000" dirty="0">
-                <a:latin typeface="+mn-ea"/>
-              </a:rPr>
-              <a:t> 개요</a:t>
-            </a:r>
-            <a:endParaRPr lang="en-US" altLang="ko-KR" sz="2000" dirty="0">
-              <a:latin typeface="+mn-ea"/>
-            </a:endParaRPr>
-          </a:p>
-          <a:p>
-            <a:pPr marL="1582644" lvl="2" indent="-562722" algn="l" fontAlgn="auto">
-              <a:spcAft>
-                <a:spcPts val="0"/>
-              </a:spcAft>
-              <a:buFont typeface="Arial" panose="020B0604020202020204" pitchFamily="34" charset="0"/>
-              <a:buChar char="•"/>
-            </a:pPr>
-            <a:r>
-              <a:rPr lang="ko-KR" altLang="en-US" sz="2000" strike="sngStrike" dirty="0">
-                <a:latin typeface="+mn-ea"/>
-              </a:rPr>
-              <a:t>팀 프로젝트 </a:t>
-            </a:r>
-            <a:r>
-              <a:rPr lang="en-US" altLang="ko-KR" sz="2000" strike="sngStrike" dirty="0">
-                <a:latin typeface="+mn-ea"/>
-              </a:rPr>
-              <a:t>– </a:t>
-            </a:r>
-            <a:r>
-              <a:rPr lang="ko-KR" altLang="en-US" sz="2000" strike="sngStrike" dirty="0">
-                <a:latin typeface="+mn-ea"/>
-              </a:rPr>
-              <a:t>팀 구성 </a:t>
-            </a:r>
-            <a:r>
-              <a:rPr lang="en-US" altLang="ko-KR" sz="2000" dirty="0">
-                <a:latin typeface="+mn-ea"/>
-              </a:rPr>
-              <a:t>=&gt; </a:t>
-            </a:r>
-            <a:r>
-              <a:rPr lang="ko-KR" altLang="en-US" sz="2000" dirty="0">
-                <a:latin typeface="+mn-ea"/>
-              </a:rPr>
-              <a:t>매 강의 </a:t>
-            </a:r>
-            <a:r>
-              <a:rPr lang="ko-KR" altLang="en-US" sz="2000" dirty="0" err="1">
-                <a:latin typeface="+mn-ea"/>
-              </a:rPr>
-              <a:t>코드랩으로</a:t>
-            </a:r>
-            <a:r>
-              <a:rPr lang="ko-KR" altLang="en-US" sz="2000" dirty="0">
-                <a:latin typeface="+mn-ea"/>
-              </a:rPr>
-              <a:t> 진행</a:t>
-            </a:r>
-            <a:endParaRPr lang="en-US" altLang="ko-KR" sz="2000" dirty="0">
-              <a:latin typeface="+mn-ea"/>
-            </a:endParaRPr>
-          </a:p>
-          <a:p>
-            <a:pPr marL="2039844" lvl="3" indent="-562722" algn="l" fontAlgn="auto">
-              <a:spcAft>
-                <a:spcPts val="0"/>
-              </a:spcAft>
-              <a:buFont typeface="Arial" panose="020B0604020202020204" pitchFamily="34" charset="0"/>
-              <a:buChar char="•"/>
-            </a:pPr>
-            <a:endParaRPr lang="en-US" altLang="ko-KR" sz="2400" b="1" dirty="0">
-              <a:latin typeface="+mn-ea"/>
-            </a:endParaRPr>
-          </a:p>
-          <a:p>
-            <a:pPr marL="1125444" lvl="1" indent="-562722" algn="l" fontAlgn="auto">
-              <a:spcAft>
-                <a:spcPts val="0"/>
-              </a:spcAft>
-              <a:buFont typeface="Arial" panose="020B0604020202020204" pitchFamily="34" charset="0"/>
-              <a:buChar char="•"/>
-            </a:pPr>
-            <a:r>
-              <a:rPr lang="en-US" altLang="ko-KR" sz="2800" dirty="0">
-                <a:latin typeface="+mn-ea"/>
-              </a:rPr>
-              <a:t>2</a:t>
-            </a:r>
-            <a:r>
-              <a:rPr lang="ko-KR" altLang="en-US" sz="2800" dirty="0">
-                <a:latin typeface="+mn-ea"/>
-              </a:rPr>
-              <a:t>주 </a:t>
-            </a:r>
-            <a:r>
-              <a:rPr lang="en-US" altLang="ko-KR" sz="2800" dirty="0">
-                <a:latin typeface="+mn-ea"/>
-              </a:rPr>
-              <a:t>: </a:t>
-            </a:r>
-            <a:r>
-              <a:rPr lang="ko-KR" altLang="en-US" sz="2800" dirty="0" err="1">
-                <a:latin typeface="+mn-ea"/>
-              </a:rPr>
-              <a:t>딥러닝</a:t>
-            </a:r>
-            <a:r>
-              <a:rPr lang="ko-KR" altLang="en-US" sz="2800" dirty="0">
-                <a:latin typeface="+mn-ea"/>
-              </a:rPr>
-              <a:t> 공부 방법</a:t>
-            </a:r>
-            <a:endParaRPr lang="en-US" altLang="ko-KR" sz="2800" dirty="0">
-              <a:latin typeface="+mn-ea"/>
-            </a:endParaRPr>
-          </a:p>
-          <a:p>
-            <a:pPr marL="1582644" lvl="2" indent="-562722" algn="l" fontAlgn="auto">
-              <a:spcAft>
-                <a:spcPts val="0"/>
-              </a:spcAft>
-              <a:buFont typeface="Arial" panose="020B0604020202020204" pitchFamily="34" charset="0"/>
-              <a:buChar char="•"/>
-            </a:pPr>
-            <a:r>
-              <a:rPr lang="ko-KR" altLang="en-US" sz="2000" dirty="0" err="1">
-                <a:latin typeface="+mn-ea"/>
-              </a:rPr>
-              <a:t>딥러닝</a:t>
-            </a:r>
-            <a:r>
-              <a:rPr lang="ko-KR" altLang="en-US" sz="2000" dirty="0">
-                <a:latin typeface="+mn-ea"/>
-              </a:rPr>
-              <a:t> 공부 방법 </a:t>
-            </a:r>
-            <a:endParaRPr lang="en-US" altLang="ko-KR" sz="2000" dirty="0">
-              <a:latin typeface="+mn-ea"/>
-            </a:endParaRPr>
-          </a:p>
-          <a:p>
-            <a:pPr marL="1582644" lvl="2" indent="-562722" algn="l" fontAlgn="auto">
-              <a:spcAft>
-                <a:spcPts val="0"/>
-              </a:spcAft>
-              <a:buFont typeface="Arial" panose="020B0604020202020204" pitchFamily="34" charset="0"/>
-              <a:buChar char="•"/>
-            </a:pPr>
-            <a:r>
-              <a:rPr lang="en-US" altLang="ko-KR" sz="2000" dirty="0" err="1">
-                <a:latin typeface="+mn-ea"/>
-              </a:rPr>
-              <a:t>kaggle</a:t>
-            </a:r>
-            <a:r>
-              <a:rPr lang="en-US" altLang="ko-KR" sz="2000" dirty="0">
-                <a:latin typeface="+mn-ea"/>
-              </a:rPr>
-              <a:t> </a:t>
-            </a:r>
-            <a:r>
-              <a:rPr lang="ko-KR" altLang="en-US" sz="2000" dirty="0">
-                <a:latin typeface="+mn-ea"/>
-              </a:rPr>
-              <a:t>소개 </a:t>
-            </a:r>
-            <a:endParaRPr lang="en-US" altLang="ko-KR" sz="2000" dirty="0">
-              <a:latin typeface="+mn-ea"/>
-            </a:endParaRPr>
-          </a:p>
-          <a:p>
-            <a:pPr marL="1582644" lvl="2" indent="-562722" algn="l" fontAlgn="auto">
-              <a:spcAft>
-                <a:spcPts val="0"/>
-              </a:spcAft>
-              <a:buFont typeface="Arial" panose="020B0604020202020204" pitchFamily="34" charset="0"/>
-              <a:buChar char="•"/>
-            </a:pPr>
-            <a:r>
-              <a:rPr lang="en-US" altLang="ko-KR" sz="2000" dirty="0" err="1">
-                <a:latin typeface="+mn-ea"/>
-              </a:rPr>
-              <a:t>kaggle</a:t>
-            </a:r>
-            <a:r>
-              <a:rPr lang="en-US" altLang="ko-KR" sz="2000" dirty="0">
-                <a:latin typeface="+mn-ea"/>
-              </a:rPr>
-              <a:t> </a:t>
-            </a:r>
-            <a:r>
-              <a:rPr lang="ko-KR" altLang="en-US" sz="2000" dirty="0">
-                <a:latin typeface="+mn-ea"/>
-              </a:rPr>
-              <a:t>문제풀이 </a:t>
-            </a:r>
-            <a:endParaRPr lang="en-US" altLang="ko-KR" sz="2000" dirty="0">
-              <a:latin typeface="+mn-ea"/>
-            </a:endParaRPr>
-          </a:p>
-          <a:p>
-            <a:pPr marL="1582644" lvl="2" indent="-562722" algn="l" fontAlgn="auto">
-              <a:spcAft>
-                <a:spcPts val="0"/>
-              </a:spcAft>
-              <a:buFont typeface="Arial" panose="020B0604020202020204" pitchFamily="34" charset="0"/>
-              <a:buChar char="•"/>
-            </a:pPr>
-            <a:endParaRPr lang="en-US" altLang="ko-KR" sz="2400" dirty="0">
-              <a:latin typeface="+mn-ea"/>
-            </a:endParaRPr>
-          </a:p>
-          <a:p>
-            <a:pPr marL="1125444" lvl="1" indent="-562722" algn="l" fontAlgn="auto">
-              <a:spcAft>
-                <a:spcPts val="0"/>
-              </a:spcAft>
-              <a:buFont typeface="Arial" panose="020B0604020202020204" pitchFamily="34" charset="0"/>
-              <a:buChar char="•"/>
-            </a:pPr>
-            <a:r>
-              <a:rPr lang="en-US" altLang="ko-KR" sz="2800" dirty="0">
-                <a:latin typeface="+mn-ea"/>
-              </a:rPr>
-              <a:t>3</a:t>
-            </a:r>
-            <a:r>
-              <a:rPr lang="ko-KR" altLang="en-US" sz="2800" dirty="0">
-                <a:latin typeface="+mn-ea"/>
-              </a:rPr>
-              <a:t>주 </a:t>
-            </a:r>
-            <a:r>
-              <a:rPr lang="en-US" altLang="ko-KR" sz="2800" dirty="0">
-                <a:latin typeface="+mn-ea"/>
-              </a:rPr>
-              <a:t>: GAN </a:t>
-            </a:r>
-            <a:r>
-              <a:rPr lang="ko-KR" altLang="en-US" sz="2800" dirty="0">
-                <a:latin typeface="+mn-ea"/>
-              </a:rPr>
-              <a:t>소개 </a:t>
-            </a:r>
-            <a:endParaRPr lang="en-US" altLang="ko-KR" sz="2800" dirty="0">
-              <a:latin typeface="+mn-ea"/>
-            </a:endParaRPr>
-          </a:p>
-          <a:p>
-            <a:pPr marL="1582644" lvl="2" indent="-562722" algn="l" fontAlgn="auto">
-              <a:spcAft>
-                <a:spcPts val="0"/>
-              </a:spcAft>
-              <a:buFont typeface="Arial" panose="020B0604020202020204" pitchFamily="34" charset="0"/>
-              <a:buChar char="•"/>
-            </a:pPr>
-            <a:r>
-              <a:rPr lang="en-US" altLang="ko-KR" sz="2000" dirty="0">
-                <a:latin typeface="+mn-ea"/>
-              </a:rPr>
-              <a:t>GAN </a:t>
-            </a:r>
-            <a:r>
-              <a:rPr lang="ko-KR" altLang="en-US" sz="2000" dirty="0">
-                <a:latin typeface="+mn-ea"/>
-              </a:rPr>
-              <a:t>소개 </a:t>
-            </a:r>
-            <a:endParaRPr lang="en-US" altLang="ko-KR" sz="2000" dirty="0">
-              <a:latin typeface="+mn-ea"/>
-            </a:endParaRPr>
-          </a:p>
-          <a:p>
-            <a:pPr marL="1582644" lvl="2" indent="-562722" algn="l" fontAlgn="auto">
-              <a:spcAft>
-                <a:spcPts val="0"/>
-              </a:spcAft>
-              <a:buFont typeface="Arial" panose="020B0604020202020204" pitchFamily="34" charset="0"/>
-              <a:buChar char="•"/>
-            </a:pPr>
-            <a:r>
-              <a:rPr lang="en-US" altLang="ko-KR" sz="2000" dirty="0">
-                <a:latin typeface="+mn-ea"/>
-              </a:rPr>
-              <a:t>GAN </a:t>
-            </a:r>
-            <a:r>
-              <a:rPr lang="ko-KR" altLang="en-US" sz="2000" dirty="0">
-                <a:latin typeface="+mn-ea"/>
-              </a:rPr>
-              <a:t>예제 </a:t>
-            </a:r>
-            <a:endParaRPr lang="en-US" altLang="ko-KR" sz="2000" dirty="0">
-              <a:latin typeface="+mn-ea"/>
-            </a:endParaRPr>
-          </a:p>
-          <a:p>
-            <a:pPr marL="1582644" lvl="2" indent="-562722" algn="l" fontAlgn="auto">
-              <a:spcAft>
-                <a:spcPts val="0"/>
-              </a:spcAft>
-              <a:buFont typeface="Arial" panose="020B0604020202020204" pitchFamily="34" charset="0"/>
-              <a:buChar char="•"/>
-            </a:pPr>
-            <a:endParaRPr lang="en-US" altLang="ko-KR" sz="2000" dirty="0">
-              <a:latin typeface="+mn-ea"/>
-            </a:endParaRPr>
-          </a:p>
-          <a:p>
-            <a:pPr marL="1125444" lvl="1" indent="-562722" algn="l" fontAlgn="auto">
-              <a:spcAft>
-                <a:spcPts val="0"/>
-              </a:spcAft>
-              <a:buFont typeface="Arial" panose="020B0604020202020204" pitchFamily="34" charset="0"/>
-              <a:buChar char="•"/>
-            </a:pPr>
-            <a:r>
-              <a:rPr lang="en-US" altLang="ko-KR" sz="2800" dirty="0">
-                <a:solidFill>
-                  <a:srgbClr val="FF0000"/>
-                </a:solidFill>
-                <a:latin typeface="+mn-ea"/>
-              </a:rPr>
-              <a:t>4</a:t>
-            </a:r>
-            <a:r>
-              <a:rPr lang="ko-KR" altLang="en-US" sz="2800" dirty="0">
-                <a:solidFill>
-                  <a:srgbClr val="FF0000"/>
-                </a:solidFill>
-                <a:latin typeface="+mn-ea"/>
-              </a:rPr>
-              <a:t>주 </a:t>
-            </a:r>
-            <a:r>
-              <a:rPr lang="en-US" altLang="ko-KR" sz="2800" dirty="0">
-                <a:solidFill>
-                  <a:srgbClr val="FF0000"/>
-                </a:solidFill>
-                <a:latin typeface="+mn-ea"/>
-              </a:rPr>
-              <a:t>: GAN </a:t>
-            </a:r>
-            <a:r>
-              <a:rPr lang="ko-KR" altLang="en-US" sz="2800" dirty="0" smtClean="0">
-                <a:solidFill>
-                  <a:srgbClr val="FF0000"/>
-                </a:solidFill>
-                <a:latin typeface="+mn-ea"/>
-              </a:rPr>
-              <a:t>심화</a:t>
-            </a:r>
-            <a:endParaRPr lang="en-US" altLang="ko-KR" sz="2800" dirty="0" smtClean="0">
-              <a:solidFill>
-                <a:srgbClr val="FF0000"/>
-              </a:solidFill>
-              <a:latin typeface="+mn-ea"/>
-            </a:endParaRPr>
-          </a:p>
-          <a:p>
-            <a:pPr marL="1582644" lvl="2" indent="-562722" algn="l" fontAlgn="auto">
-              <a:spcAft>
-                <a:spcPts val="0"/>
-              </a:spcAft>
-              <a:buFont typeface="Arial" panose="020B0604020202020204" pitchFamily="34" charset="0"/>
-              <a:buChar char="•"/>
-            </a:pPr>
-            <a:r>
-              <a:rPr lang="en-US" altLang="ko-KR" sz="2000" dirty="0" smtClean="0">
-                <a:solidFill>
-                  <a:srgbClr val="FF0000"/>
-                </a:solidFill>
-                <a:latin typeface="+mn-ea"/>
-              </a:rPr>
-              <a:t>GAN </a:t>
-            </a:r>
-            <a:r>
-              <a:rPr lang="ko-KR" altLang="en-US" sz="2000" dirty="0" smtClean="0">
-                <a:solidFill>
-                  <a:srgbClr val="FF0000"/>
-                </a:solidFill>
-                <a:latin typeface="+mn-ea"/>
-              </a:rPr>
-              <a:t>심화 </a:t>
-            </a:r>
-            <a:r>
-              <a:rPr lang="en-US" altLang="ko-KR" sz="2000" dirty="0" smtClean="0">
-                <a:solidFill>
-                  <a:srgbClr val="FF0000"/>
-                </a:solidFill>
-                <a:latin typeface="+mn-ea"/>
-              </a:rPr>
-              <a:t>– </a:t>
-            </a:r>
-          </a:p>
-          <a:p>
-            <a:pPr marL="1582644" lvl="2" indent="-562722" algn="l" fontAlgn="auto">
-              <a:spcAft>
-                <a:spcPts val="0"/>
-              </a:spcAft>
-              <a:buFont typeface="Arial" panose="020B0604020202020204" pitchFamily="34" charset="0"/>
-              <a:buChar char="•"/>
-            </a:pPr>
-            <a:r>
-              <a:rPr lang="en-US" altLang="ko-KR" sz="2000" dirty="0" smtClean="0">
-                <a:solidFill>
-                  <a:srgbClr val="FF0000"/>
-                </a:solidFill>
-                <a:latin typeface="+mn-ea"/>
-              </a:rPr>
-              <a:t>GAN </a:t>
-            </a:r>
-            <a:r>
-              <a:rPr lang="ko-KR" altLang="en-US" sz="2000" dirty="0">
-                <a:solidFill>
-                  <a:srgbClr val="FF0000"/>
-                </a:solidFill>
-                <a:latin typeface="+mn-ea"/>
-              </a:rPr>
-              <a:t>심화 예제 </a:t>
-            </a:r>
-            <a:r>
-              <a:rPr lang="en-US" altLang="ko-KR" sz="2000" dirty="0">
-                <a:solidFill>
-                  <a:srgbClr val="FF0000"/>
-                </a:solidFill>
-                <a:latin typeface="+mn-ea"/>
-              </a:rPr>
-              <a:t>- </a:t>
-            </a:r>
-            <a:r>
-              <a:rPr lang="en-US" altLang="ko-KR" sz="2000" dirty="0" smtClean="0">
-                <a:solidFill>
-                  <a:srgbClr val="FF0000"/>
-                </a:solidFill>
-                <a:latin typeface="+mn-ea"/>
-              </a:rPr>
-              <a:t>CGAN</a:t>
-            </a:r>
-            <a:endParaRPr lang="en-US" altLang="ko-KR" sz="2000" dirty="0">
-              <a:solidFill>
-                <a:srgbClr val="FF0000"/>
-              </a:solidFill>
-              <a:latin typeface="+mn-ea"/>
-            </a:endParaRPr>
-          </a:p>
-          <a:p>
-            <a:pPr marL="1582644" lvl="2" indent="-562722" algn="l" fontAlgn="auto">
-              <a:spcAft>
-                <a:spcPts val="0"/>
-              </a:spcAft>
-              <a:buFont typeface="Arial" panose="020B0604020202020204" pitchFamily="34" charset="0"/>
-              <a:buChar char="•"/>
-            </a:pPr>
-            <a:endParaRPr lang="en-US" altLang="ko-KR" sz="2000" dirty="0" smtClean="0">
-              <a:latin typeface="+mn-ea"/>
-            </a:endParaRPr>
-          </a:p>
-          <a:p>
-            <a:pPr marL="1125444" lvl="1" indent="-562722" algn="l" fontAlgn="auto">
-              <a:spcAft>
-                <a:spcPts val="0"/>
-              </a:spcAft>
-              <a:buFont typeface="Arial" panose="020B0604020202020204" pitchFamily="34" charset="0"/>
-              <a:buChar char="•"/>
-            </a:pPr>
-            <a:r>
-              <a:rPr lang="en-US" altLang="ko-KR" sz="2800" dirty="0" smtClean="0">
-                <a:latin typeface="+mn-ea"/>
-              </a:rPr>
-              <a:t>5</a:t>
-            </a:r>
-            <a:r>
-              <a:rPr lang="ko-KR" altLang="en-US" sz="2800" dirty="0">
-                <a:latin typeface="+mn-ea"/>
-              </a:rPr>
-              <a:t>주 </a:t>
-            </a:r>
-            <a:r>
-              <a:rPr lang="en-US" altLang="ko-KR" sz="2800" dirty="0">
-                <a:latin typeface="+mn-ea"/>
-              </a:rPr>
-              <a:t>: </a:t>
-            </a:r>
-            <a:r>
-              <a:rPr lang="ko-KR" altLang="en-US" sz="2800" dirty="0" smtClean="0">
-                <a:latin typeface="+mn-ea"/>
-              </a:rPr>
-              <a:t>기타 </a:t>
-            </a:r>
-            <a:r>
-              <a:rPr lang="en-US" altLang="ko-KR" sz="2800" dirty="0" smtClean="0">
-                <a:latin typeface="+mn-ea"/>
-              </a:rPr>
-              <a:t>GAN </a:t>
-            </a:r>
-            <a:r>
-              <a:rPr lang="ko-KR" altLang="en-US" sz="2800" dirty="0" smtClean="0">
-                <a:latin typeface="+mn-ea"/>
-              </a:rPr>
-              <a:t>소개 </a:t>
-            </a:r>
-            <a:r>
-              <a:rPr lang="en-US" altLang="ko-KR" sz="2800" dirty="0" smtClean="0">
-                <a:latin typeface="+mn-ea"/>
-              </a:rPr>
-              <a:t>&amp; </a:t>
-            </a:r>
-            <a:r>
-              <a:rPr lang="ko-KR" altLang="en-US" sz="2800" dirty="0" smtClean="0">
-                <a:latin typeface="+mn-ea"/>
-              </a:rPr>
-              <a:t>회고</a:t>
-            </a:r>
-            <a:endParaRPr lang="en-US" altLang="ko-KR" sz="2800" dirty="0">
-              <a:latin typeface="+mn-ea"/>
-            </a:endParaRPr>
-          </a:p>
-          <a:p>
-            <a:pPr marL="1019922" lvl="2" algn="l" fontAlgn="auto">
-              <a:spcAft>
-                <a:spcPts val="0"/>
-              </a:spcAft>
-            </a:pPr>
-            <a:endParaRPr lang="en-US" altLang="ko-KR" sz="2000" dirty="0">
-              <a:latin typeface="+mn-ea"/>
-            </a:endParaRPr>
-          </a:p>
-          <a:p>
-            <a:pPr marL="1125444" lvl="1" indent="-562722" algn="l" fontAlgn="auto">
-              <a:spcAft>
-                <a:spcPts val="0"/>
-              </a:spcAft>
-              <a:buFont typeface="Arial" panose="020B0604020202020204" pitchFamily="34" charset="0"/>
-              <a:buChar char="•"/>
-            </a:pPr>
-            <a:endParaRPr lang="en-US" altLang="ko-KR" sz="2000" dirty="0">
-              <a:latin typeface="+mn-ea"/>
-            </a:endParaRPr>
-          </a:p>
-          <a:p>
-            <a:pPr marL="1125444" lvl="1" indent="-562722" algn="l" fontAlgn="auto">
-              <a:spcAft>
-                <a:spcPts val="0"/>
-              </a:spcAft>
-              <a:buFont typeface="Arial" panose="020B0604020202020204" pitchFamily="34" charset="0"/>
-              <a:buChar char="•"/>
-            </a:pPr>
-            <a:endParaRPr lang="en-US" altLang="ko-KR" sz="2800" dirty="0">
-              <a:latin typeface="+mn-ea"/>
-            </a:endParaRPr>
-          </a:p>
-        </p:txBody>
-      </p:sp>
-      <p:sp>
-        <p:nvSpPr>
-          <p:cNvPr id="2" name="직사각형 1"/>
-          <p:cNvSpPr/>
-          <p:nvPr/>
-        </p:nvSpPr>
-        <p:spPr>
-          <a:xfrm>
-            <a:off x="130629" y="138670"/>
-            <a:ext cx="4487559" cy="523220"/>
-          </a:xfrm>
-          <a:prstGeom prst="rect">
-            <a:avLst/>
-          </a:prstGeom>
-        </p:spPr>
-        <p:txBody>
-          <a:bodyPr wrap="square">
-            <a:spAutoFit/>
-          </a:bodyPr>
-          <a:lstStyle/>
-          <a:p>
-            <a:pPr lvl="0"/>
-            <a:r>
-              <a:rPr lang="ko-KR" altLang="en-US" sz="2800" b="1" dirty="0" err="1">
-                <a:solidFill>
-                  <a:schemeClr val="bg1"/>
-                </a:solidFill>
-                <a:effectLst>
-                  <a:outerShdw blurRad="38100" dist="38100" dir="2700000" algn="tl">
-                    <a:srgbClr val="000000">
-                      <a:alpha val="43137"/>
-                    </a:srgbClr>
-                  </a:outerShdw>
-                </a:effectLst>
-                <a:latin typeface="+mn-ea"/>
-                <a:ea typeface="+mn-ea"/>
-                <a:sym typeface="Google Sans"/>
-              </a:rPr>
-              <a:t>딥러닝</a:t>
-            </a:r>
-            <a:r>
-              <a:rPr lang="ko-KR" altLang="en-US" sz="2800" b="1" dirty="0">
-                <a:solidFill>
-                  <a:schemeClr val="bg1"/>
-                </a:solidFill>
-                <a:effectLst>
-                  <a:outerShdw blurRad="38100" dist="38100" dir="2700000" algn="tl">
-                    <a:srgbClr val="000000">
-                      <a:alpha val="43137"/>
-                    </a:srgbClr>
-                  </a:outerShdw>
-                </a:effectLst>
-                <a:latin typeface="+mn-ea"/>
-                <a:ea typeface="+mn-ea"/>
-                <a:sym typeface="Google Sans"/>
-              </a:rPr>
-              <a:t> </a:t>
-            </a:r>
-            <a:r>
-              <a:rPr lang="ko-KR" altLang="en-US" sz="2800" b="1" dirty="0" smtClean="0">
-                <a:solidFill>
-                  <a:schemeClr val="bg1"/>
-                </a:solidFill>
-                <a:effectLst>
-                  <a:outerShdw blurRad="38100" dist="38100" dir="2700000" algn="tl">
-                    <a:srgbClr val="000000">
-                      <a:alpha val="43137"/>
-                    </a:srgbClr>
-                  </a:outerShdw>
-                </a:effectLst>
-                <a:latin typeface="+mn-ea"/>
-                <a:ea typeface="+mn-ea"/>
-                <a:sym typeface="Google Sans"/>
-              </a:rPr>
-              <a:t>응용</a:t>
-            </a:r>
-            <a:endParaRPr lang="ko-KR" altLang="en-US" sz="2400" b="1" dirty="0">
-              <a:solidFill>
-                <a:schemeClr val="bg1"/>
-              </a:solidFill>
-              <a:effectLst>
-                <a:outerShdw blurRad="38100" dist="38100" dir="2700000" algn="tl">
-                  <a:srgbClr val="000000">
-                    <a:alpha val="43137"/>
-                  </a:srgbClr>
-                </a:outerShdw>
-              </a:effectLst>
-              <a:latin typeface="+mn-ea"/>
-              <a:ea typeface="+mn-ea"/>
-              <a:cs typeface="Google Sans"/>
-              <a:sym typeface="Google Sans"/>
-            </a:endParaRPr>
-          </a:p>
-        </p:txBody>
-      </p:sp>
-    </p:spTree>
-    <p:extLst>
-      <p:ext uri="{BB962C8B-B14F-4D97-AF65-F5344CB8AC3E}">
-        <p14:creationId xmlns:p14="http://schemas.microsoft.com/office/powerpoint/2010/main" val="3500897819"/>
-      </p:ext>
-    </p:extLst>
-  </p:cSld>
-  <p:clrMapOvr>
-    <a:masterClrMapping/>
-  </p:clrMapOvr>
-  <p:timing>
-    <p:tnLst>
-      <p:par>
-        <p:cTn id="1" dur="indefinite" restart="never" nodeType="tmRoot"/>
-      </p:par>
-    </p:tnLst>
-  </p:timing>
-</p:sld>
-</file>
-
-<file path=ppt/slides/slide20.xml><?xml version="1.0" encoding="utf-8"?>
+<file path=ppt/slides/slide23.xml><?xml version="1.0" encoding="utf-8"?>
 <p:sld xmlns:a="http://schemas.openxmlformats.org/drawingml/2006/main" xmlns:r="http://schemas.openxmlformats.org/officeDocument/2006/relationships" xmlns:p="http://schemas.openxmlformats.org/presentationml/2006/main">
   <p:cSld>
     <p:spTree>
@@ -7901,11 +8258,7 @@
           <a:p>
             <a:r>
               <a:rPr lang="en-US" altLang="ko-KR" dirty="0" smtClean="0"/>
-              <a:t>GAN </a:t>
-            </a:r>
-            <a:r>
-              <a:rPr lang="en-US" altLang="ko-KR" dirty="0" smtClean="0"/>
-              <a:t>MNIST – CNN </a:t>
+              <a:t>GAN MNIST – CNN </a:t>
             </a:r>
             <a:r>
               <a:rPr lang="en-US" altLang="ko-KR" dirty="0" err="1" smtClean="0"/>
@@ -8002,6 +8355,13 @@
   <p:clrMapOvr>
     <a:masterClrMapping/>
   </p:clrMapOvr>
+  <p:timing>
+    <p:tnLst>
+      <p:par>
+        <p:cTn id="1" dur="indefinite" restart="never" nodeType="tmRoot"/>
+      </p:par>
+    </p:tnLst>
+  </p:timing>
 </p:sld>
 </file>
 
@@ -8041,11 +8401,7 @@
           <a:p>
             <a:r>
               <a:rPr lang="en-US" altLang="ko-KR" dirty="0" smtClean="0"/>
-              <a:t>GAN </a:t>
-            </a:r>
-            <a:r>
-              <a:rPr lang="en-US" altLang="ko-KR" dirty="0" smtClean="0"/>
-              <a:t>MNIST – CNN </a:t>
+              <a:t>GAN MNIST – CNN </a:t>
             </a:r>
             <a:r>
               <a:rPr lang="en-US" altLang="ko-KR" dirty="0" err="1" smtClean="0"/>
@@ -8192,6 +8548,13 @@
   <p:clrMapOvr>
     <a:masterClrMapping/>
   </p:clrMapOvr>
+  <p:timing>
+    <p:tnLst>
+      <p:par>
+        <p:cTn id="1" dur="indefinite" restart="never" nodeType="tmRoot"/>
+      </p:par>
+    </p:tnLst>
+  </p:timing>
 </p:sld>
 </file>
 
@@ -8231,11 +8594,7 @@
           <a:p>
             <a:r>
               <a:rPr lang="en-US" altLang="ko-KR" dirty="0" smtClean="0"/>
-              <a:t>GAN </a:t>
-            </a:r>
-            <a:r>
-              <a:rPr lang="en-US" altLang="ko-KR" dirty="0" smtClean="0"/>
-              <a:t>MNIST – CNN </a:t>
+              <a:t>GAN MNIST – CNN </a:t>
             </a:r>
             <a:r>
               <a:rPr lang="en-US" altLang="ko-KR" dirty="0" err="1" smtClean="0"/>
@@ -8363,6 +8722,13 @@
   <p:clrMapOvr>
     <a:masterClrMapping/>
   </p:clrMapOvr>
+  <p:timing>
+    <p:tnLst>
+      <p:par>
+        <p:cTn id="1" dur="indefinite" restart="never" nodeType="tmRoot"/>
+      </p:par>
+    </p:tnLst>
+  </p:timing>
 </p:sld>
 </file>
 
@@ -8402,11 +8768,7 @@
           <a:p>
             <a:r>
               <a:rPr lang="en-US" altLang="ko-KR" dirty="0" smtClean="0"/>
-              <a:t>GAN </a:t>
-            </a:r>
-            <a:r>
-              <a:rPr lang="en-US" altLang="ko-KR" dirty="0" smtClean="0"/>
-              <a:t>MNIST – CNN </a:t>
+              <a:t>GAN MNIST – CNN </a:t>
             </a:r>
             <a:r>
               <a:rPr lang="en-US" altLang="ko-KR" dirty="0" err="1" smtClean="0"/>
@@ -8553,6 +8915,13 @@
   <p:clrMapOvr>
     <a:masterClrMapping/>
   </p:clrMapOvr>
+  <p:timing>
+    <p:tnLst>
+      <p:par>
+        <p:cTn id="1" dur="indefinite" restart="never" nodeType="tmRoot"/>
+      </p:par>
+    </p:tnLst>
+  </p:timing>
 </p:sld>
 </file>
 
@@ -8592,11 +8961,7 @@
           <a:p>
             <a:r>
               <a:rPr lang="en-US" altLang="ko-KR" dirty="0" smtClean="0"/>
-              <a:t>GAN </a:t>
-            </a:r>
-            <a:r>
-              <a:rPr lang="en-US" altLang="ko-KR" dirty="0" smtClean="0"/>
-              <a:t>MNIST – CNN </a:t>
+              <a:t>GAN MNIST – CNN </a:t>
             </a:r>
             <a:r>
               <a:rPr lang="en-US" altLang="ko-KR" dirty="0" err="1" smtClean="0"/>
@@ -8724,6 +9089,13 @@
   <p:clrMapOvr>
     <a:masterClrMapping/>
   </p:clrMapOvr>
+  <p:timing>
+    <p:tnLst>
+      <p:par>
+        <p:cTn id="1" dur="indefinite" restart="never" nodeType="tmRoot"/>
+      </p:par>
+    </p:tnLst>
+  </p:timing>
 </p:sld>
 </file>
 
@@ -8763,11 +9135,7 @@
           <a:p>
             <a:r>
               <a:rPr lang="en-US" altLang="ko-KR" dirty="0" smtClean="0"/>
-              <a:t>GAN </a:t>
-            </a:r>
-            <a:r>
-              <a:rPr lang="en-US" altLang="ko-KR" dirty="0" smtClean="0"/>
-              <a:t>MNIST – CNN </a:t>
+              <a:t>GAN MNIST – CNN </a:t>
             </a:r>
             <a:r>
               <a:rPr lang="en-US" altLang="ko-KR" dirty="0" err="1" smtClean="0"/>
@@ -8933,6 +9301,13 @@
   <p:clrMapOvr>
     <a:masterClrMapping/>
   </p:clrMapOvr>
+  <p:timing>
+    <p:tnLst>
+      <p:par>
+        <p:cTn id="1" dur="indefinite" restart="never" nodeType="tmRoot"/>
+      </p:par>
+    </p:tnLst>
+  </p:timing>
 </p:sld>
 </file>
 
@@ -8972,11 +9347,7 @@
           <a:p>
             <a:r>
               <a:rPr lang="en-US" altLang="ko-KR" dirty="0" smtClean="0"/>
-              <a:t>GAN </a:t>
-            </a:r>
-            <a:r>
-              <a:rPr lang="en-US" altLang="ko-KR" dirty="0" smtClean="0"/>
-              <a:t>MNIST – CNN </a:t>
+              <a:t>GAN MNIST – CNN </a:t>
             </a:r>
             <a:r>
               <a:rPr lang="en-US" altLang="ko-KR" dirty="0" err="1" smtClean="0"/>
@@ -9104,6 +9475,13 @@
   <p:clrMapOvr>
     <a:masterClrMapping/>
   </p:clrMapOvr>
+  <p:timing>
+    <p:tnLst>
+      <p:par>
+        <p:cTn id="1" dur="indefinite" restart="never" nodeType="tmRoot"/>
+      </p:par>
+    </p:tnLst>
+  </p:timing>
 </p:sld>
 </file>
 
